--- a/_site/labs/Lab03/Lab03.pptx
+++ b/_site/labs/Lab03/Lab03.pptx
@@ -10,6 +10,16 @@
     <p:sldId id="258" r:id="rId4"/>
     <p:sldId id="259" r:id="rId5"/>
     <p:sldId id="260" r:id="rId6"/>
+    <p:sldId id="261" r:id="rId7"/>
+    <p:sldId id="262" r:id="rId8"/>
+    <p:sldId id="263" r:id="rId9"/>
+    <p:sldId id="264" r:id="rId10"/>
+    <p:sldId id="265" r:id="rId11"/>
+    <p:sldId id="266" r:id="rId12"/>
+    <p:sldId id="267" r:id="rId13"/>
+    <p:sldId id="268" r:id="rId14"/>
+    <p:sldId id="269" r:id="rId15"/>
+    <p:sldId id="270" r:id="rId16"/>
   </p:sldIdLst>
   <p:sldSz cx="12192000" cy="6858000"/>
   <p:notesSz cx="6858000" cy="9144000"/>
@@ -4927,11 +4937,635 @@
             <a:pPr lvl="0" indent="0" marL="0">
               <a:buNone/>
             </a:pPr>
+            <a:r>
+              <a:rPr/>
+              <a:t>Literature Search and CP Target Paper selection</a:t>
+            </a:r>
             <a:br/>
             <a:br/>
             <a:r>
               <a:rPr/>
               <a:t>Dr. Gordon Wright</a:t>
+            </a:r>
+          </a:p>
+        </p:txBody>
+      </p:sp>
+    </p:spTree>
+  </p:cSld>
+</p:sld>
+</file>
+
+<file path=ppt/slides/slide10.xml><?xml version="1.0" encoding="utf-8"?>
+<p:sld xmlns:a="http://schemas.openxmlformats.org/drawingml/2006/main" xmlns:r="http://schemas.openxmlformats.org/officeDocument/2006/relationships" xmlns:p="http://schemas.openxmlformats.org/presentationml/2006/main">
+  <p:cSld>
+    <p:spTree>
+      <p:nvGrpSpPr>
+        <p:cNvPr id="1" name=""/>
+        <p:cNvGrpSpPr/>
+        <p:nvPr/>
+      </p:nvGrpSpPr>
+      <p:grpSpPr>
+        <a:xfrm>
+          <a:off x="0" y="0"/>
+          <a:ext cx="0" cy="0"/>
+          <a:chOff x="0" y="0"/>
+          <a:chExt cx="0" cy="0"/>
+        </a:xfrm>
+      </p:grpSpPr>
+      <p:sp>
+        <p:nvSpPr>
+          <p:cNvPr id="2" name="Title 1">
+            <a:extLst>
+              <a:ext uri="{FF2B5EF4-FFF2-40B4-BE49-F238E27FC236}">
+                <a16:creationId xmlns:a16="http://schemas.microsoft.com/office/drawing/2014/main" id="{DD9B8E45-0772-954C-8D4B-6E6808DFEDED}"/>
+              </a:ext>
+            </a:extLst>
+          </p:cNvPr>
+          <p:cNvSpPr>
+            <a:spLocks noGrp="1"/>
+          </p:cNvSpPr>
+          <p:nvPr>
+            <p:ph type="title"/>
+          </p:nvPr>
+        </p:nvSpPr>
+        <p:spPr>
+          <a:xfrm>
+            <a:off x="838200" y="365129"/>
+            <a:ext cx="10002520" cy="1325563"/>
+          </a:xfrm>
+          <a:prstGeom prst="rect">
+            <a:avLst/>
+          </a:prstGeom>
+        </p:spPr>
+        <p:txBody>
+          <a:bodyPr/>
+          <a:lstStyle/>
+          <a:p>
+            <a:pPr lvl="0" indent="0" marL="0">
+              <a:buNone/>
+            </a:pPr>
+            <a:r>
+              <a:rPr/>
+              <a:t>Semantic Scholar (free google type database)</a:t>
+            </a:r>
+          </a:p>
+        </p:txBody>
+      </p:sp>
+      <p:sp>
+        <p:nvSpPr>
+          <p:cNvPr id="3" name="Content Placeholder 2">
+            <a:extLst>
+              <a:ext uri="{FF2B5EF4-FFF2-40B4-BE49-F238E27FC236}">
+                <a16:creationId xmlns:a16="http://schemas.microsoft.com/office/drawing/2014/main" id="{A4EB24F9-04F1-C843-9D71-56C5C024552B}"/>
+              </a:ext>
+            </a:extLst>
+          </p:cNvPr>
+          <p:cNvSpPr>
+            <a:spLocks noGrp="1"/>
+          </p:cNvSpPr>
+          <p:nvPr>
+            <p:ph idx="1"/>
+          </p:nvPr>
+        </p:nvSpPr>
+        <p:spPr/>
+        <p:txBody>
+          <a:bodyPr/>
+          <a:lstStyle/>
+          <a:p>
+            <a:pPr lvl="0" indent="0" marL="0">
+              <a:buNone/>
+            </a:pPr>
+            <a:r>
+              <a:rPr>
+                <a:hlinkClick r:id="rId2"/>
+              </a:rPr>
+              <a:t>https://www.semanticscholar.org/</a:t>
+            </a:r>
+          </a:p>
+        </p:txBody>
+      </p:sp>
+    </p:spTree>
+  </p:cSld>
+</p:sld>
+</file>
+
+<file path=ppt/slides/slide11.xml><?xml version="1.0" encoding="utf-8"?>
+<p:sld xmlns:a="http://schemas.openxmlformats.org/drawingml/2006/main" xmlns:r="http://schemas.openxmlformats.org/officeDocument/2006/relationships" xmlns:p="http://schemas.openxmlformats.org/presentationml/2006/main">
+  <p:cSld>
+    <p:spTree>
+      <p:nvGrpSpPr>
+        <p:cNvPr id="1" name=""/>
+        <p:cNvGrpSpPr/>
+        <p:nvPr/>
+      </p:nvGrpSpPr>
+      <p:grpSpPr>
+        <a:xfrm>
+          <a:off x="0" y="0"/>
+          <a:ext cx="0" cy="0"/>
+          <a:chOff x="0" y="0"/>
+          <a:chExt cx="0" cy="0"/>
+        </a:xfrm>
+      </p:grpSpPr>
+      <p:sp>
+        <p:nvSpPr>
+          <p:cNvPr id="2" name="Title 1">
+            <a:extLst>
+              <a:ext uri="{FF2B5EF4-FFF2-40B4-BE49-F238E27FC236}">
+                <a16:creationId xmlns:a16="http://schemas.microsoft.com/office/drawing/2014/main" id="{DD9B8E45-0772-954C-8D4B-6E6808DFEDED}"/>
+              </a:ext>
+            </a:extLst>
+          </p:cNvPr>
+          <p:cNvSpPr>
+            <a:spLocks noGrp="1"/>
+          </p:cNvSpPr>
+          <p:nvPr>
+            <p:ph type="title"/>
+          </p:nvPr>
+        </p:nvSpPr>
+        <p:spPr>
+          <a:xfrm>
+            <a:off x="838200" y="365129"/>
+            <a:ext cx="10002520" cy="1325563"/>
+          </a:xfrm>
+          <a:prstGeom prst="rect">
+            <a:avLst/>
+          </a:prstGeom>
+        </p:spPr>
+        <p:txBody>
+          <a:bodyPr/>
+          <a:lstStyle/>
+          <a:p>
+            <a:pPr lvl="0" indent="0" marL="0">
+              <a:buNone/>
+            </a:pPr>
+            <a:r>
+              <a:rPr/>
+              <a:t>Give these ai tools a shot (free versions can be limited)</a:t>
+            </a:r>
+          </a:p>
+        </p:txBody>
+      </p:sp>
+      <p:sp>
+        <p:nvSpPr>
+          <p:cNvPr id="3" name="Content Placeholder 2">
+            <a:extLst>
+              <a:ext uri="{FF2B5EF4-FFF2-40B4-BE49-F238E27FC236}">
+                <a16:creationId xmlns:a16="http://schemas.microsoft.com/office/drawing/2014/main" id="{A4EB24F9-04F1-C843-9D71-56C5C024552B}"/>
+              </a:ext>
+            </a:extLst>
+          </p:cNvPr>
+          <p:cNvSpPr>
+            <a:spLocks noGrp="1"/>
+          </p:cNvSpPr>
+          <p:nvPr>
+            <p:ph idx="1"/>
+          </p:nvPr>
+        </p:nvSpPr>
+        <p:spPr/>
+        <p:txBody>
+          <a:bodyPr/>
+          <a:lstStyle/>
+          <a:p>
+            <a:pPr lvl="0" indent="0" marL="0">
+              <a:buNone/>
+            </a:pPr>
+            <a:r>
+              <a:rPr/>
+              <a:t>Connected papers</a:t>
+            </a:r>
+          </a:p>
+          <a:p>
+            <a:pPr lvl="0" indent="0" marL="0">
+              <a:buNone/>
+            </a:pPr>
+            <a:r>
+              <a:rPr>
+                <a:hlinkClick r:id="rId2"/>
+              </a:rPr>
+              <a:t>https://www.connectedpapers.com/</a:t>
+            </a:r>
+          </a:p>
+          <a:p>
+            <a:pPr lvl="0" indent="0" marL="0">
+              <a:buNone/>
+            </a:pPr>
+            <a:r>
+              <a:rPr/>
+              <a:t>Research Rabbit</a:t>
+            </a:r>
+          </a:p>
+          <a:p>
+            <a:pPr lvl="0" indent="0" marL="0">
+              <a:buNone/>
+            </a:pPr>
+            <a:r>
+              <a:rPr>
+                <a:hlinkClick r:id="rId3"/>
+              </a:rPr>
+              <a:t>https://www.researchrabbit.ai/</a:t>
+            </a:r>
+          </a:p>
+          <a:p>
+            <a:pPr lvl="0" indent="0" marL="0">
+              <a:buNone/>
+            </a:pPr>
+            <a:r>
+              <a:rPr/>
+              <a:t>Also Citation Gecko, Litmaps</a:t>
+            </a:r>
+          </a:p>
+          <a:p>
+            <a:pPr lvl="0" indent="0" marL="0">
+              <a:buNone/>
+            </a:pPr>
+            <a:r>
+              <a:rPr/>
+              <a:t>They all help you look at connections between published papers based on topics and citations</a:t>
+            </a:r>
+          </a:p>
+        </p:txBody>
+      </p:sp>
+    </p:spTree>
+  </p:cSld>
+</p:sld>
+</file>
+
+<file path=ppt/slides/slide12.xml><?xml version="1.0" encoding="utf-8"?>
+<p:sld xmlns:a="http://schemas.openxmlformats.org/drawingml/2006/main" xmlns:r="http://schemas.openxmlformats.org/officeDocument/2006/relationships" xmlns:p="http://schemas.openxmlformats.org/presentationml/2006/main">
+  <p:cSld>
+    <p:spTree>
+      <p:nvGrpSpPr>
+        <p:cNvPr id="1" name=""/>
+        <p:cNvGrpSpPr/>
+        <p:nvPr/>
+      </p:nvGrpSpPr>
+      <p:grpSpPr>
+        <a:xfrm>
+          <a:off x="0" y="0"/>
+          <a:ext cx="0" cy="0"/>
+          <a:chOff x="0" y="0"/>
+          <a:chExt cx="0" cy="0"/>
+        </a:xfrm>
+      </p:grpSpPr>
+      <p:sp>
+        <p:nvSpPr>
+          <p:cNvPr id="2" name="Title 1">
+            <a:extLst>
+              <a:ext uri="{FF2B5EF4-FFF2-40B4-BE49-F238E27FC236}">
+                <a16:creationId xmlns:a16="http://schemas.microsoft.com/office/drawing/2014/main" id="{DD9B8E45-0772-954C-8D4B-6E6808DFEDED}"/>
+              </a:ext>
+            </a:extLst>
+          </p:cNvPr>
+          <p:cNvSpPr>
+            <a:spLocks noGrp="1"/>
+          </p:cNvSpPr>
+          <p:nvPr>
+            <p:ph type="title"/>
+          </p:nvPr>
+        </p:nvSpPr>
+        <p:spPr>
+          <a:xfrm>
+            <a:off x="838200" y="365129"/>
+            <a:ext cx="10002520" cy="1325563"/>
+          </a:xfrm>
+          <a:prstGeom prst="rect">
+            <a:avLst/>
+          </a:prstGeom>
+        </p:spPr>
+        <p:txBody>
+          <a:bodyPr/>
+          <a:lstStyle/>
+          <a:p>
+            <a:pPr lvl="0" indent="0" marL="0">
+              <a:buNone/>
+            </a:pPr>
+            <a:r>
+              <a:rPr/>
+              <a:t>Connected papers</a:t>
+            </a:r>
+          </a:p>
+        </p:txBody>
+      </p:sp>
+      <p:pic>
+        <p:nvPicPr>
+          <p:cNvPr descr="images/paste-69FF9432.png" id="0" name="Picture 1"/>
+          <p:cNvPicPr>
+            <a:picLocks noGrp="1" noChangeAspect="1"/>
+          </p:cNvPicPr>
+          <p:nvPr/>
+        </p:nvPicPr>
+        <p:blipFill>
+          <a:blip r:embed="rId2"/>
+          <a:stretch>
+            <a:fillRect/>
+          </a:stretch>
+        </p:blipFill>
+        <p:spPr bwMode="auto">
+          <a:xfrm>
+            <a:off x="1727200" y="1816100"/>
+            <a:ext cx="8737600" cy="4343400"/>
+          </a:xfrm>
+          <a:prstGeom prst="rect">
+            <a:avLst/>
+          </a:prstGeom>
+          <a:noFill/>
+          <a:ln w="9525">
+            <a:noFill/>
+            <a:headEnd/>
+            <a:tailEnd/>
+          </a:ln>
+        </p:spPr>
+      </p:pic>
+    </p:spTree>
+  </p:cSld>
+</p:sld>
+</file>
+
+<file path=ppt/slides/slide13.xml><?xml version="1.0" encoding="utf-8"?>
+<p:sld xmlns:a="http://schemas.openxmlformats.org/drawingml/2006/main" xmlns:r="http://schemas.openxmlformats.org/officeDocument/2006/relationships" xmlns:p="http://schemas.openxmlformats.org/presentationml/2006/main">
+  <p:cSld>
+    <p:spTree>
+      <p:nvGrpSpPr>
+        <p:cNvPr id="1" name=""/>
+        <p:cNvGrpSpPr/>
+        <p:nvPr/>
+      </p:nvGrpSpPr>
+      <p:grpSpPr>
+        <a:xfrm>
+          <a:off x="0" y="0"/>
+          <a:ext cx="0" cy="0"/>
+          <a:chOff x="0" y="0"/>
+          <a:chExt cx="0" cy="0"/>
+        </a:xfrm>
+      </p:grpSpPr>
+      <p:sp>
+        <p:nvSpPr>
+          <p:cNvPr id="2" name="Title 1">
+            <a:extLst>
+              <a:ext uri="{FF2B5EF4-FFF2-40B4-BE49-F238E27FC236}">
+                <a16:creationId xmlns:a16="http://schemas.microsoft.com/office/drawing/2014/main" id="{DD9B8E45-0772-954C-8D4B-6E6808DFEDED}"/>
+              </a:ext>
+            </a:extLst>
+          </p:cNvPr>
+          <p:cNvSpPr>
+            <a:spLocks noGrp="1"/>
+          </p:cNvSpPr>
+          <p:nvPr>
+            <p:ph type="title"/>
+          </p:nvPr>
+        </p:nvSpPr>
+        <p:spPr>
+          <a:xfrm>
+            <a:off x="838200" y="365129"/>
+            <a:ext cx="10002520" cy="1325563"/>
+          </a:xfrm>
+          <a:prstGeom prst="rect">
+            <a:avLst/>
+          </a:prstGeom>
+        </p:spPr>
+        <p:txBody>
+          <a:bodyPr/>
+          <a:lstStyle/>
+          <a:p>
+            <a:pPr lvl="0" indent="0" marL="0">
+              <a:buNone/>
+            </a:pPr>
+            <a:r>
+              <a:rPr/>
+              <a:t>Research Rabbit</a:t>
+            </a:r>
+          </a:p>
+        </p:txBody>
+      </p:sp>
+      <p:pic>
+        <p:nvPicPr>
+          <p:cNvPr descr="images/paste-342CD4F0.png" id="0" name="Picture 1"/>
+          <p:cNvPicPr>
+            <a:picLocks noGrp="1" noChangeAspect="1"/>
+          </p:cNvPicPr>
+          <p:nvPr/>
+        </p:nvPicPr>
+        <p:blipFill>
+          <a:blip r:embed="rId2"/>
+          <a:stretch>
+            <a:fillRect/>
+          </a:stretch>
+        </p:blipFill>
+        <p:spPr bwMode="auto">
+          <a:xfrm>
+            <a:off x="4318000" y="1816100"/>
+            <a:ext cx="3556000" cy="4343400"/>
+          </a:xfrm>
+          <a:prstGeom prst="rect">
+            <a:avLst/>
+          </a:prstGeom>
+          <a:noFill/>
+          <a:ln w="9525">
+            <a:noFill/>
+            <a:headEnd/>
+            <a:tailEnd/>
+          </a:ln>
+        </p:spPr>
+      </p:pic>
+    </p:spTree>
+  </p:cSld>
+</p:sld>
+</file>
+
+<file path=ppt/slides/slide14.xml><?xml version="1.0" encoding="utf-8"?>
+<p:sld xmlns:a="http://schemas.openxmlformats.org/drawingml/2006/main" xmlns:r="http://schemas.openxmlformats.org/officeDocument/2006/relationships" xmlns:p="http://schemas.openxmlformats.org/presentationml/2006/main">
+  <p:cSld>
+    <p:spTree>
+      <p:nvGrpSpPr>
+        <p:cNvPr id="1" name=""/>
+        <p:cNvGrpSpPr/>
+        <p:nvPr/>
+      </p:nvGrpSpPr>
+      <p:grpSpPr>
+        <a:xfrm>
+          <a:off x="0" y="0"/>
+          <a:ext cx="0" cy="0"/>
+          <a:chOff x="0" y="0"/>
+          <a:chExt cx="0" cy="0"/>
+        </a:xfrm>
+      </p:grpSpPr>
+      <p:pic>
+        <p:nvPicPr>
+          <p:cNvPr descr="images/paste-CC5638B1.png" id="0" name="Picture 1"/>
+          <p:cNvPicPr>
+            <a:picLocks noGrp="1" noChangeAspect="1"/>
+          </p:cNvPicPr>
+          <p:nvPr/>
+        </p:nvPicPr>
+        <p:blipFill>
+          <a:blip r:embed="rId2"/>
+          <a:stretch>
+            <a:fillRect/>
+          </a:stretch>
+        </p:blipFill>
+        <p:spPr bwMode="auto">
+          <a:xfrm>
+            <a:off x="2870200" y="1816100"/>
+            <a:ext cx="6451600" cy="4343400"/>
+          </a:xfrm>
+          <a:prstGeom prst="rect">
+            <a:avLst/>
+          </a:prstGeom>
+          <a:noFill/>
+          <a:ln w="9525">
+            <a:noFill/>
+            <a:headEnd/>
+            <a:tailEnd/>
+          </a:ln>
+        </p:spPr>
+      </p:pic>
+    </p:spTree>
+  </p:cSld>
+</p:sld>
+</file>
+
+<file path=ppt/slides/slide15.xml><?xml version="1.0" encoding="utf-8"?>
+<p:sld xmlns:a="http://schemas.openxmlformats.org/drawingml/2006/main" xmlns:r="http://schemas.openxmlformats.org/officeDocument/2006/relationships" xmlns:p="http://schemas.openxmlformats.org/presentationml/2006/main">
+  <p:cSld>
+    <p:spTree>
+      <p:nvGrpSpPr>
+        <p:cNvPr id="1" name=""/>
+        <p:cNvGrpSpPr/>
+        <p:nvPr/>
+      </p:nvGrpSpPr>
+      <p:grpSpPr>
+        <a:xfrm>
+          <a:off x="0" y="0"/>
+          <a:ext cx="0" cy="0"/>
+          <a:chOff x="0" y="0"/>
+          <a:chExt cx="0" cy="0"/>
+        </a:xfrm>
+      </p:grpSpPr>
+      <p:sp>
+        <p:nvSpPr>
+          <p:cNvPr id="2" name="Title 1">
+            <a:extLst>
+              <a:ext uri="{FF2B5EF4-FFF2-40B4-BE49-F238E27FC236}">
+                <a16:creationId xmlns:a16="http://schemas.microsoft.com/office/drawing/2014/main" id="{DD9B8E45-0772-954C-8D4B-6E6808DFEDED}"/>
+              </a:ext>
+            </a:extLst>
+          </p:cNvPr>
+          <p:cNvSpPr>
+            <a:spLocks noGrp="1"/>
+          </p:cNvSpPr>
+          <p:nvPr>
+            <p:ph type="title"/>
+          </p:nvPr>
+        </p:nvSpPr>
+        <p:spPr>
+          <a:xfrm>
+            <a:off x="838200" y="365129"/>
+            <a:ext cx="10002520" cy="1325563"/>
+          </a:xfrm>
+          <a:prstGeom prst="rect">
+            <a:avLst/>
+          </a:prstGeom>
+        </p:spPr>
+        <p:txBody>
+          <a:bodyPr/>
+          <a:lstStyle/>
+          <a:p>
+            <a:pPr lvl="0" indent="0" marL="0">
+              <a:buNone/>
+            </a:pPr>
+            <a:r>
+              <a:rPr/>
+              <a:t>Also consider</a:t>
+            </a:r>
+          </a:p>
+        </p:txBody>
+      </p:sp>
+      <p:sp>
+        <p:nvSpPr>
+          <p:cNvPr id="3" name="Content Placeholder 2">
+            <a:extLst>
+              <a:ext uri="{FF2B5EF4-FFF2-40B4-BE49-F238E27FC236}">
+                <a16:creationId xmlns:a16="http://schemas.microsoft.com/office/drawing/2014/main" id="{A4EB24F9-04F1-C843-9D71-56C5C024552B}"/>
+              </a:ext>
+            </a:extLst>
+          </p:cNvPr>
+          <p:cNvSpPr>
+            <a:spLocks noGrp="1"/>
+          </p:cNvSpPr>
+          <p:nvPr>
+            <p:ph idx="1"/>
+          </p:nvPr>
+        </p:nvSpPr>
+        <p:spPr/>
+        <p:txBody>
+          <a:bodyPr/>
+          <a:lstStyle/>
+          <a:p>
+            <a:pPr lvl="0" indent="0" marL="0">
+              <a:buNone/>
+            </a:pPr>
+            <a:r>
+              <a:rPr/>
+              <a:t>Joining Researchgate .. you are a researcher now too! You can often find grey literature here</a:t>
+            </a:r>
+          </a:p>
+          <a:p>
+            <a:pPr lvl="0" indent="0" marL="0">
+              <a:buNone/>
+            </a:pPr>
+            <a:r>
+              <a:rPr>
+                <a:hlinkClick r:id="rId2"/>
+              </a:rPr>
+              <a:t>https://www.researchgate.net/</a:t>
+            </a:r>
+          </a:p>
+          <a:p>
+            <a:pPr lvl="0" indent="0" marL="0">
+              <a:buNone/>
+            </a:pPr>
+            <a:r>
+              <a:rPr/>
+              <a:t>Or following researchers on Twitter. Lots of good lists of Psych Researchers</a:t>
+            </a:r>
+          </a:p>
+          <a:p>
+            <a:pPr lvl="0" indent="0" marL="0">
+              <a:buNone/>
+            </a:pPr>
+            <a:r>
+              <a:rPr>
+                <a:hlinkClick r:id="rId3"/>
+              </a:rPr>
+              <a:t>https://www.scholarcy.com/</a:t>
+            </a:r>
+            <a:r>
+              <a:rPr/>
+              <a:t> An AI summariser</a:t>
+            </a:r>
+          </a:p>
+          <a:p>
+            <a:pPr lvl="0" indent="0" marL="0">
+              <a:buNone/>
+            </a:pPr>
+            <a:r>
+              <a:rPr/>
+              <a:t>My Favourite</a:t>
+            </a:r>
+          </a:p>
+          <a:p>
+            <a:pPr lvl="0" indent="0" marL="0">
+              <a:buNone/>
+            </a:pPr>
+            <a:r>
+              <a:rPr>
+                <a:hlinkClick r:id="rId4"/>
+              </a:rPr>
+              <a:t>https://www.lateral.io/</a:t>
+            </a:r>
+            <a:r>
+              <a:rPr/>
+              <a:t> An AI informed literature review tool</a:t>
             </a:r>
           </a:p>
         </p:txBody>
@@ -5023,7 +5657,7 @@
             </a:pPr>
             <a:r>
               <a:rPr/>
-              <a:t>Complete the Pulse</a:t>
+              <a:t>Complete the Pulse (2 topics - 5 mins Max)</a:t>
             </a:r>
           </a:p>
           <a:p>
@@ -5032,7 +5666,34 @@
             </a:pPr>
             <a:r>
               <a:rPr/>
-              <a:t>c</a:t>
+              <a:t>Consider how to approach the Critical Proposal to best effect</a:t>
+            </a:r>
+          </a:p>
+          <a:p>
+            <a:pPr lvl="0" indent="-257175" marL="257175">
+              <a:buAutoNum type="arabicPeriod"/>
+            </a:pPr>
+            <a:r>
+              <a:rPr/>
+              <a:t>Start identifying candidate papers</a:t>
+            </a:r>
+          </a:p>
+          <a:p>
+            <a:pPr lvl="1" indent="-257175" marL="514350">
+              <a:buAutoNum type="arabicPeriod"/>
+            </a:pPr>
+            <a:r>
+              <a:rPr/>
+              <a:t>Use the tools suggested below (or share others!)</a:t>
+            </a:r>
+          </a:p>
+          <a:p>
+            <a:pPr lvl="1" indent="-257175" marL="514350">
+              <a:buAutoNum type="arabicPeriod"/>
+            </a:pPr>
+            <a:r>
+              <a:rPr/>
+              <a:t>Show it to LTs and/or Gordon - get specific!</a:t>
             </a:r>
           </a:p>
         </p:txBody>
@@ -5145,6 +5806,153 @@
                       </p:childTnLst>
                     </p:cTn>
                   </p:par>
+                  <p:par>
+                    <p:cTn id="11" fill="hold">
+                      <p:stCondLst>
+                        <p:cond delay="indefinite"/>
+                      </p:stCondLst>
+                      <p:childTnLst>
+                        <p:par>
+                          <p:cTn id="12" fill="hold">
+                            <p:stCondLst>
+                              <p:cond delay="0"/>
+                            </p:stCondLst>
+                            <p:childTnLst>
+                              <p:par>
+                                <p:cTn id="13" presetID="1" presetClass="entr" presetSubtype="0" fill="hold" grpId="0" nodeType="clickEffect">
+                                  <p:stCondLst>
+                                    <p:cond delay="0"/>
+                                  </p:stCondLst>
+                                  <p:childTnLst>
+                                    <p:set>
+                                      <p:cBhvr>
+                                        <p:cTn id="14" dur="1" fill="hold">
+                                          <p:stCondLst>
+                                            <p:cond delay="0"/>
+                                          </p:stCondLst>
+                                        </p:cTn>
+                                        <p:tgtEl>
+                                          <p:spTgt spid="3">
+                                            <p:txEl>
+                                              <p:pRg st="2" end="2"/>
+                                            </p:txEl>
+                                          </p:spTgt>
+                                        </p:tgtEl>
+                                        <p:attrNameLst>
+                                          <p:attrName>style.visibility</p:attrName>
+                                        </p:attrNameLst>
+                                      </p:cBhvr>
+                                      <p:to>
+                                        <p:strVal val="visible"/>
+                                      </p:to>
+                                    </p:set>
+                                  </p:childTnLst>
+                                </p:cTn>
+                              </p:par>
+                            </p:childTnLst>
+                          </p:cTn>
+                        </p:par>
+                      </p:childTnLst>
+                    </p:cTn>
+                  </p:par>
+                  <p:par>
+                    <p:cTn id="15" fill="hold">
+                      <p:stCondLst>
+                        <p:cond delay="indefinite"/>
+                      </p:stCondLst>
+                      <p:childTnLst>
+                        <p:par>
+                          <p:cTn id="16" fill="hold">
+                            <p:stCondLst>
+                              <p:cond delay="0"/>
+                            </p:stCondLst>
+                            <p:childTnLst>
+                              <p:par>
+                                <p:cTn id="17" presetID="1" presetClass="entr" presetSubtype="0" fill="hold" grpId="0" nodeType="clickEffect">
+                                  <p:stCondLst>
+                                    <p:cond delay="0"/>
+                                  </p:stCondLst>
+                                  <p:childTnLst>
+                                    <p:set>
+                                      <p:cBhvr>
+                                        <p:cTn id="18" dur="1" fill="hold">
+                                          <p:stCondLst>
+                                            <p:cond delay="0"/>
+                                          </p:stCondLst>
+                                        </p:cTn>
+                                        <p:tgtEl>
+                                          <p:spTgt spid="3">
+                                            <p:txEl>
+                                              <p:pRg st="3" end="3"/>
+                                            </p:txEl>
+                                          </p:spTgt>
+                                        </p:tgtEl>
+                                        <p:attrNameLst>
+                                          <p:attrName>style.visibility</p:attrName>
+                                        </p:attrNameLst>
+                                      </p:cBhvr>
+                                      <p:to>
+                                        <p:strVal val="visible"/>
+                                      </p:to>
+                                    </p:set>
+                                  </p:childTnLst>
+                                </p:cTn>
+                              </p:par>
+                            </p:childTnLst>
+                          </p:cTn>
+                        </p:par>
+                      </p:childTnLst>
+                    </p:cTn>
+                  </p:par>
+                  <p:par>
+                    <p:cTn id="19" fill="hold">
+                      <p:stCondLst>
+                        <p:cond delay="indefinite"/>
+                      </p:stCondLst>
+                      <p:childTnLst>
+                        <p:par>
+                          <p:cTn id="20" fill="hold">
+                            <p:stCondLst>
+                              <p:cond delay="0"/>
+                            </p:stCondLst>
+                            <p:childTnLst>
+                              <p:par>
+                                <p:cTn id="21" presetID="1" presetClass="entr" presetSubtype="0" fill="hold" grpId="0" nodeType="clickEffect">
+                                  <p:stCondLst>
+                                    <p:cond delay="0"/>
+                                  </p:stCondLst>
+                                  <p:childTnLst>
+                                    <p:set>
+                                      <p:cBhvr>
+                                        <p:cTn id="22" dur="1" fill="hold">
+                                          <p:stCondLst>
+                                            <p:cond delay="0"/>
+                                          </p:stCondLst>
+                                        </p:cTn>
+                                        <p:tgtEl>
+                                          <p:spTgt spid="3">
+                                            <p:txEl>
+                                              <p:pRg st="4" end="4"/>
+                                            </p:txEl>
+                                          </p:spTgt>
+                                        </p:tgtEl>
+                                        <p:attrNameLst>
+                                          <p:attrName>style.visibility</p:attrName>
+                                        </p:attrNameLst>
+                                      </p:cBhvr>
+                                      <p:to>
+                                        <p:strVal val="visible"/>
+                                      </p:to>
+                                    </p:set>
+                                  </p:childTnLst>
+                                </p:cTn>
+                              </p:par>
+                            </p:childTnLst>
+                          </p:cTn>
+                        </p:par>
+                      </p:childTnLst>
+                    </p:cTn>
+                  </p:par>
                 </p:childTnLst>
               </p:cTn>
               <p:prevCondLst>
@@ -5224,7 +6032,7 @@
             </a:pPr>
             <a:r>
               <a:rPr/>
-              <a:t>Key Project Milestones</a:t>
+              <a:t>Literature searching</a:t>
             </a:r>
           </a:p>
         </p:txBody>
@@ -5256,7 +6064,7 @@
           <p:cNvPr id="2" name="Title 1">
             <a:extLst>
               <a:ext uri="{FF2B5EF4-FFF2-40B4-BE49-F238E27FC236}">
-                <a16:creationId xmlns:a16="http://schemas.microsoft.com/office/drawing/2014/main" id="{FF6A6CB2-D1B6-B94A-84C1-83C65423C650}"/>
+                <a16:creationId xmlns:a16="http://schemas.microsoft.com/office/drawing/2014/main" id="{DD9B8E45-0772-954C-8D4B-6E6808DFEDED}"/>
               </a:ext>
             </a:extLst>
           </p:cNvPr>
@@ -5269,8 +6077,8 @@
         </p:nvSpPr>
         <p:spPr>
           <a:xfrm>
-            <a:off x="831851" y="1709742"/>
-            <a:ext cx="10515600" cy="2852737"/>
+            <a:off x="838200" y="365129"/>
+            <a:ext cx="10002520" cy="1325563"/>
           </a:xfrm>
           <a:prstGeom prst="rect">
             <a:avLst/>
@@ -5285,11 +6093,41 @@
             </a:pPr>
             <a:r>
               <a:rPr/>
-              <a:t>Teamwork &amp; Project Management ideas</a:t>
-            </a:r>
-          </a:p>
-        </p:txBody>
-      </p:sp>
+              <a:t>Library resources</a:t>
+            </a:r>
+          </a:p>
+        </p:txBody>
+      </p:sp>
+      <p:pic>
+        <p:nvPicPr>
+          <p:cNvPr descr="images/paste-2CD4CEC4.png" id="0" name="Picture 1"/>
+          <p:cNvPicPr>
+            <a:picLocks noGrp="1" noChangeAspect="1"/>
+          </p:cNvPicPr>
+          <p:nvPr/>
+        </p:nvPicPr>
+        <p:blipFill>
+          <a:blip r:embed="rId2"/>
+          <a:stretch>
+            <a:fillRect/>
+          </a:stretch>
+        </p:blipFill>
+        <p:spPr bwMode="auto">
+          <a:xfrm>
+            <a:off x="2387600" y="1816100"/>
+            <a:ext cx="7429500" cy="4343400"/>
+          </a:xfrm>
+          <a:prstGeom prst="rect">
+            <a:avLst/>
+          </a:prstGeom>
+          <a:noFill/>
+          <a:ln w="9525">
+            <a:noFill/>
+            <a:headEnd/>
+            <a:tailEnd/>
+          </a:ln>
+        </p:spPr>
+      </p:pic>
     </p:spTree>
   </p:cSld>
 </p:sld>
@@ -5346,11 +6184,542 @@
             </a:pPr>
             <a:r>
               <a:rPr/>
-              <a:t>Over to you!</a:t>
-            </a:r>
-          </a:p>
-        </p:txBody>
-      </p:sp>
+              <a:t>Pay particular attention to forward and backwards search in the library</a:t>
+            </a:r>
+          </a:p>
+        </p:txBody>
+      </p:sp>
+      <p:pic>
+        <p:nvPicPr>
+          <p:cNvPr descr="images/forward_backwardsearch.png" id="0" name="Picture 1"/>
+          <p:cNvPicPr>
+            <a:picLocks noGrp="1" noChangeAspect="1"/>
+          </p:cNvPicPr>
+          <p:nvPr/>
+        </p:nvPicPr>
+        <p:blipFill>
+          <a:blip r:embed="rId2"/>
+          <a:stretch>
+            <a:fillRect/>
+          </a:stretch>
+        </p:blipFill>
+        <p:spPr bwMode="auto">
+          <a:xfrm>
+            <a:off x="838200" y="2857500"/>
+            <a:ext cx="10515600" cy="2260600"/>
+          </a:xfrm>
+          <a:prstGeom prst="rect">
+            <a:avLst/>
+          </a:prstGeom>
+          <a:noFill/>
+          <a:ln w="9525">
+            <a:noFill/>
+            <a:headEnd/>
+            <a:tailEnd/>
+          </a:ln>
+        </p:spPr>
+      </p:pic>
+    </p:spTree>
+  </p:cSld>
+</p:sld>
+</file>
+
+<file path=ppt/slides/slide6.xml><?xml version="1.0" encoding="utf-8"?>
+<p:sld xmlns:a="http://schemas.openxmlformats.org/drawingml/2006/main" xmlns:r="http://schemas.openxmlformats.org/officeDocument/2006/relationships" xmlns:p="http://schemas.openxmlformats.org/presentationml/2006/main">
+  <p:cSld>
+    <p:spTree>
+      <p:nvGrpSpPr>
+        <p:cNvPr id="1" name=""/>
+        <p:cNvGrpSpPr/>
+        <p:nvPr/>
+      </p:nvGrpSpPr>
+      <p:grpSpPr>
+        <a:xfrm>
+          <a:off x="0" y="0"/>
+          <a:ext cx="0" cy="0"/>
+          <a:chOff x="0" y="0"/>
+          <a:chExt cx="0" cy="0"/>
+        </a:xfrm>
+      </p:grpSpPr>
+      <p:sp>
+        <p:nvSpPr>
+          <p:cNvPr id="2" name="Title 1">
+            <a:extLst>
+              <a:ext uri="{FF2B5EF4-FFF2-40B4-BE49-F238E27FC236}">
+                <a16:creationId xmlns:a16="http://schemas.microsoft.com/office/drawing/2014/main" id="{DD9B8E45-0772-954C-8D4B-6E6808DFEDED}"/>
+              </a:ext>
+            </a:extLst>
+          </p:cNvPr>
+          <p:cNvSpPr>
+            <a:spLocks noGrp="1"/>
+          </p:cNvSpPr>
+          <p:nvPr>
+            <p:ph type="title"/>
+          </p:nvPr>
+        </p:nvSpPr>
+        <p:spPr>
+          <a:xfrm>
+            <a:off x="838200" y="365129"/>
+            <a:ext cx="10002520" cy="1325563"/>
+          </a:xfrm>
+          <a:prstGeom prst="rect">
+            <a:avLst/>
+          </a:prstGeom>
+        </p:spPr>
+        <p:txBody>
+          <a:bodyPr/>
+          <a:lstStyle/>
+          <a:p>
+            <a:pPr lvl="0" indent="0" marL="0">
+              <a:buNone/>
+            </a:pPr>
+            <a:r>
+              <a:rPr/>
+              <a:t>Interlibrary loan</a:t>
+            </a:r>
+          </a:p>
+        </p:txBody>
+      </p:sp>
+      <p:sp>
+        <p:nvSpPr>
+          <p:cNvPr id="3" name="Content Placeholder 2">
+            <a:extLst>
+              <a:ext uri="{FF2B5EF4-FFF2-40B4-BE49-F238E27FC236}">
+                <a16:creationId xmlns:a16="http://schemas.microsoft.com/office/drawing/2014/main" id="{A4EB24F9-04F1-C843-9D71-56C5C024552B}"/>
+              </a:ext>
+            </a:extLst>
+          </p:cNvPr>
+          <p:cNvSpPr>
+            <a:spLocks noGrp="1"/>
+          </p:cNvSpPr>
+          <p:nvPr>
+            <p:ph idx="1"/>
+          </p:nvPr>
+        </p:nvSpPr>
+        <p:spPr/>
+        <p:txBody>
+          <a:bodyPr/>
+          <a:lstStyle/>
+          <a:p>
+            <a:pPr lvl="0" indent="0" marL="0">
+              <a:buNone/>
+            </a:pPr>
+            <a:r>
+              <a:rPr/>
+              <a:t>If you can’t get access to a paper that you think is crucial, consider an interlibrary loan.</a:t>
+            </a:r>
+          </a:p>
+          <a:p>
+            <a:pPr lvl="0" indent="0" marL="0">
+              <a:buNone/>
+            </a:pPr>
+            <a:r>
+              <a:rPr>
+                <a:hlinkClick r:id="rId2"/>
+              </a:rPr>
+              <a:t>https://www.gold.ac.uk/library/using/finding-resources/inter-library-loans/</a:t>
+            </a:r>
+          </a:p>
+          <a:p>
+            <a:pPr lvl="0" indent="0" marL="0">
+              <a:buNone/>
+            </a:pPr>
+            <a:r>
+              <a:rPr/>
+              <a:t>But there is no reason access to a single paper ought to slow you down.</a:t>
+            </a:r>
+          </a:p>
+        </p:txBody>
+      </p:sp>
+    </p:spTree>
+  </p:cSld>
+</p:sld>
+</file>
+
+<file path=ppt/slides/slide7.xml><?xml version="1.0" encoding="utf-8"?>
+<p:sld xmlns:a="http://schemas.openxmlformats.org/drawingml/2006/main" xmlns:r="http://schemas.openxmlformats.org/officeDocument/2006/relationships" xmlns:p="http://schemas.openxmlformats.org/presentationml/2006/main">
+  <p:cSld>
+    <p:spTree>
+      <p:nvGrpSpPr>
+        <p:cNvPr id="1" name=""/>
+        <p:cNvGrpSpPr/>
+        <p:nvPr/>
+      </p:nvGrpSpPr>
+      <p:grpSpPr>
+        <a:xfrm>
+          <a:off x="0" y="0"/>
+          <a:ext cx="0" cy="0"/>
+          <a:chOff x="0" y="0"/>
+          <a:chExt cx="0" cy="0"/>
+        </a:xfrm>
+      </p:grpSpPr>
+      <p:sp>
+        <p:nvSpPr>
+          <p:cNvPr id="2" name="Title 1">
+            <a:extLst>
+              <a:ext uri="{FF2B5EF4-FFF2-40B4-BE49-F238E27FC236}">
+                <a16:creationId xmlns:a16="http://schemas.microsoft.com/office/drawing/2014/main" id="{DD9B8E45-0772-954C-8D4B-6E6808DFEDED}"/>
+              </a:ext>
+            </a:extLst>
+          </p:cNvPr>
+          <p:cNvSpPr>
+            <a:spLocks noGrp="1"/>
+          </p:cNvSpPr>
+          <p:nvPr>
+            <p:ph type="title"/>
+          </p:nvPr>
+        </p:nvSpPr>
+        <p:spPr>
+          <a:xfrm>
+            <a:off x="838200" y="365129"/>
+            <a:ext cx="10002520" cy="1325563"/>
+          </a:xfrm>
+          <a:prstGeom prst="rect">
+            <a:avLst/>
+          </a:prstGeom>
+        </p:spPr>
+        <p:txBody>
+          <a:bodyPr/>
+          <a:lstStyle/>
+          <a:p>
+            <a:pPr lvl="0" indent="0" marL="0">
+              <a:buNone/>
+            </a:pPr>
+            <a:r>
+              <a:rPr/>
+              <a:t>I’ve already mentioned</a:t>
+            </a:r>
+          </a:p>
+        </p:txBody>
+      </p:sp>
+      <p:sp>
+        <p:nvSpPr>
+          <p:cNvPr id="3" name="Content Placeholder 2">
+            <a:extLst>
+              <a:ext uri="{FF2B5EF4-FFF2-40B4-BE49-F238E27FC236}">
+                <a16:creationId xmlns:a16="http://schemas.microsoft.com/office/drawing/2014/main" id="{A4EB24F9-04F1-C843-9D71-56C5C024552B}"/>
+              </a:ext>
+            </a:extLst>
+          </p:cNvPr>
+          <p:cNvSpPr>
+            <a:spLocks noGrp="1"/>
+          </p:cNvSpPr>
+          <p:nvPr>
+            <p:ph idx="1"/>
+          </p:nvPr>
+        </p:nvSpPr>
+        <p:spPr/>
+        <p:txBody>
+          <a:bodyPr/>
+          <a:lstStyle/>
+          <a:p>
+            <a:pPr lvl="0" indent="0" marL="0">
+              <a:buNone/>
+            </a:pPr>
+            <a:r>
+              <a:rPr/>
+              <a:t>Zotero for managing your reading and creating references in APA7 format</a:t>
+            </a:r>
+          </a:p>
+          <a:p>
+            <a:pPr lvl="0" indent="0" marL="0">
+              <a:buNone/>
+            </a:pPr>
+            <a:r>
+              <a:rPr>
+                <a:hlinkClick r:id="rId2"/>
+              </a:rPr>
+              <a:t>https://www.zotero.org/</a:t>
+            </a:r>
+          </a:p>
+          <a:p>
+            <a:pPr lvl="0" indent="0" marL="0">
+              <a:buNone/>
+            </a:pPr>
+            <a:r>
+              <a:rPr>
+                <a:hlinkClick r:id="rId3"/>
+              </a:rPr>
+              <a:t>https://www.zotero.org/download/</a:t>
+            </a:r>
+          </a:p>
+          <a:p>
+            <a:pPr lvl="0" indent="0" marL="0">
+              <a:buNone/>
+            </a:pPr>
+            <a:r>
+              <a:rPr/>
+              <a:t>Good intro tutorial (13 mins - could save hours!)</a:t>
+            </a:r>
+          </a:p>
+          <a:p>
+            <a:pPr lvl="0" indent="0" marL="0">
+              <a:buNone/>
+            </a:pPr>
+            <a:r>
+              <a:rPr>
+                <a:hlinkClick r:id="rId4"/>
+              </a:rPr>
+              <a:t>https://www.youtube.com/watch?v=JG7Uq_JFDzE</a:t>
+            </a:r>
+          </a:p>
+        </p:txBody>
+      </p:sp>
+    </p:spTree>
+  </p:cSld>
+</p:sld>
+</file>
+
+<file path=ppt/slides/slide8.xml><?xml version="1.0" encoding="utf-8"?>
+<p:sld xmlns:a="http://schemas.openxmlformats.org/drawingml/2006/main" xmlns:r="http://schemas.openxmlformats.org/officeDocument/2006/relationships" xmlns:p="http://schemas.openxmlformats.org/presentationml/2006/main">
+  <p:cSld>
+    <p:spTree>
+      <p:nvGrpSpPr>
+        <p:cNvPr id="1" name=""/>
+        <p:cNvGrpSpPr/>
+        <p:nvPr/>
+      </p:nvGrpSpPr>
+      <p:grpSpPr>
+        <a:xfrm>
+          <a:off x="0" y="0"/>
+          <a:ext cx="0" cy="0"/>
+          <a:chOff x="0" y="0"/>
+          <a:chExt cx="0" cy="0"/>
+        </a:xfrm>
+      </p:grpSpPr>
+      <p:sp>
+        <p:nvSpPr>
+          <p:cNvPr id="2" name="Title 1">
+            <a:extLst>
+              <a:ext uri="{FF2B5EF4-FFF2-40B4-BE49-F238E27FC236}">
+                <a16:creationId xmlns:a16="http://schemas.microsoft.com/office/drawing/2014/main" id="{F3186003-B489-CA46-A95C-C1AECC0CA4D3}"/>
+              </a:ext>
+            </a:extLst>
+          </p:cNvPr>
+          <p:cNvSpPr>
+            <a:spLocks noGrp="1"/>
+          </p:cNvSpPr>
+          <p:nvPr>
+            <p:ph type="title"/>
+          </p:nvPr>
+        </p:nvSpPr>
+        <p:spPr>
+          <a:xfrm>
+            <a:off x="839788" y="457200"/>
+            <a:ext cx="3932237" cy="1600200"/>
+          </a:xfrm>
+          <a:prstGeom prst="rect">
+            <a:avLst/>
+          </a:prstGeom>
+        </p:spPr>
+        <p:txBody>
+          <a:bodyPr/>
+          <a:lstStyle/>
+          <a:p>
+            <a:pPr lvl="0" indent="0" marL="0">
+              <a:buNone/>
+            </a:pPr>
+            <a:r>
+              <a:rPr/>
+              <a:t>Upgrade your Google Scholar</a:t>
+            </a:r>
+          </a:p>
+        </p:txBody>
+      </p:sp>
+      <p:sp>
+        <p:nvSpPr>
+          <p:cNvPr id="4" name="Text Placeholder 3">
+            <a:extLst>
+              <a:ext uri="{FF2B5EF4-FFF2-40B4-BE49-F238E27FC236}">
+                <a16:creationId xmlns:a16="http://schemas.microsoft.com/office/drawing/2014/main" id="{898BA411-2A54-A94A-B3FC-826281DBEADF}"/>
+              </a:ext>
+            </a:extLst>
+          </p:cNvPr>
+          <p:cNvSpPr>
+            <a:spLocks noGrp="1"/>
+          </p:cNvSpPr>
+          <p:nvPr>
+            <p:ph idx="2" sz="half" type="body"/>
+          </p:nvPr>
+        </p:nvSpPr>
+        <p:spPr/>
+        <p:txBody>
+          <a:bodyPr/>
+          <a:lstStyle/>
+          <a:p>
+            <a:pPr lvl="0" indent="0" marL="0">
+              <a:buNone/>
+            </a:pPr>
+            <a:r>
+              <a:rPr/>
+              <a:t>If you have a google account and go to Google Scholar settings</a:t>
+            </a:r>
+          </a:p>
+          <a:p>
+            <a:pPr lvl="0" indent="0" marL="0">
+              <a:buNone/>
+            </a:pPr>
+            <a:r>
+              <a:rPr>
+                <a:hlinkClick r:id="rId2"/>
+              </a:rPr>
+              <a:t>https://scholar.google.co.uk/scholar_settings</a:t>
+            </a:r>
+          </a:p>
+        </p:txBody>
+      </p:sp>
+      <p:pic>
+        <p:nvPicPr>
+          <p:cNvPr descr="images/paste-9F9668BF.png" id="0" name="Picture 1"/>
+          <p:cNvPicPr>
+            <a:picLocks noGrp="1" noChangeAspect="1"/>
+          </p:cNvPicPr>
+          <p:nvPr/>
+        </p:nvPicPr>
+        <p:blipFill>
+          <a:blip r:embed="rId3"/>
+          <a:stretch>
+            <a:fillRect/>
+          </a:stretch>
+        </p:blipFill>
+        <p:spPr bwMode="auto">
+          <a:xfrm>
+            <a:off x="5181600" y="2501900"/>
+            <a:ext cx="6172200" cy="1816100"/>
+          </a:xfrm>
+          <a:prstGeom prst="rect">
+            <a:avLst/>
+          </a:prstGeom>
+          <a:noFill/>
+          <a:ln w="9525">
+            <a:noFill/>
+            <a:headEnd/>
+            <a:tailEnd/>
+          </a:ln>
+        </p:spPr>
+      </p:pic>
+    </p:spTree>
+  </p:cSld>
+</p:sld>
+</file>
+
+<file path=ppt/slides/slide9.xml><?xml version="1.0" encoding="utf-8"?>
+<p:sld xmlns:a="http://schemas.openxmlformats.org/drawingml/2006/main" xmlns:r="http://schemas.openxmlformats.org/officeDocument/2006/relationships" xmlns:p="http://schemas.openxmlformats.org/presentationml/2006/main">
+  <p:cSld>
+    <p:spTree>
+      <p:nvGrpSpPr>
+        <p:cNvPr id="1" name=""/>
+        <p:cNvGrpSpPr/>
+        <p:nvPr/>
+      </p:nvGrpSpPr>
+      <p:grpSpPr>
+        <a:xfrm>
+          <a:off x="0" y="0"/>
+          <a:ext cx="0" cy="0"/>
+          <a:chOff x="0" y="0"/>
+          <a:chExt cx="0" cy="0"/>
+        </a:xfrm>
+      </p:grpSpPr>
+      <p:sp>
+        <p:nvSpPr>
+          <p:cNvPr id="2" name="Title 1">
+            <a:extLst>
+              <a:ext uri="{FF2B5EF4-FFF2-40B4-BE49-F238E27FC236}">
+                <a16:creationId xmlns:a16="http://schemas.microsoft.com/office/drawing/2014/main" id="{F3186003-B489-CA46-A95C-C1AECC0CA4D3}"/>
+              </a:ext>
+            </a:extLst>
+          </p:cNvPr>
+          <p:cNvSpPr>
+            <a:spLocks noGrp="1"/>
+          </p:cNvSpPr>
+          <p:nvPr>
+            <p:ph type="title"/>
+          </p:nvPr>
+        </p:nvSpPr>
+        <p:spPr>
+          <a:xfrm>
+            <a:off x="839788" y="457200"/>
+            <a:ext cx="3932237" cy="1600200"/>
+          </a:xfrm>
+          <a:prstGeom prst="rect">
+            <a:avLst/>
+          </a:prstGeom>
+        </p:spPr>
+        <p:txBody>
+          <a:bodyPr/>
+          <a:lstStyle/>
+          <a:p>
+            <a:pPr lvl="0" indent="0" marL="0">
+              <a:buNone/>
+            </a:pPr>
+            <a:r>
+              <a:rPr/>
+              <a:t>ta da!</a:t>
+            </a:r>
+          </a:p>
+        </p:txBody>
+      </p:sp>
+      <p:sp>
+        <p:nvSpPr>
+          <p:cNvPr id="4" name="Text Placeholder 3">
+            <a:extLst>
+              <a:ext uri="{FF2B5EF4-FFF2-40B4-BE49-F238E27FC236}">
+                <a16:creationId xmlns:a16="http://schemas.microsoft.com/office/drawing/2014/main" id="{898BA411-2A54-A94A-B3FC-826281DBEADF}"/>
+              </a:ext>
+            </a:extLst>
+          </p:cNvPr>
+          <p:cNvSpPr>
+            <a:spLocks noGrp="1"/>
+          </p:cNvSpPr>
+          <p:nvPr>
+            <p:ph idx="2" sz="half" type="body"/>
+          </p:nvPr>
+        </p:nvSpPr>
+        <p:spPr/>
+        <p:txBody>
+          <a:bodyPr/>
+          <a:lstStyle/>
+          <a:p>
+            <a:pPr lvl="0" indent="0" marL="0">
+              <a:buNone/>
+            </a:pPr>
+            <a:r>
+              <a:rPr/>
+              <a:t>if available via the library you will see Findit@Gold</a:t>
+            </a:r>
+          </a:p>
+        </p:txBody>
+      </p:sp>
+      <p:pic>
+        <p:nvPicPr>
+          <p:cNvPr descr="images/paste-124F7197.png" id="0" name="Picture 1"/>
+          <p:cNvPicPr>
+            <a:picLocks noGrp="1" noChangeAspect="1"/>
+          </p:cNvPicPr>
+          <p:nvPr/>
+        </p:nvPicPr>
+        <p:blipFill>
+          <a:blip r:embed="rId2"/>
+          <a:stretch>
+            <a:fillRect/>
+          </a:stretch>
+        </p:blipFill>
+        <p:spPr bwMode="auto">
+          <a:xfrm>
+            <a:off x="5181600" y="1993900"/>
+            <a:ext cx="6172200" cy="2819400"/>
+          </a:xfrm>
+          <a:prstGeom prst="rect">
+            <a:avLst/>
+          </a:prstGeom>
+          <a:noFill/>
+          <a:ln w="9525">
+            <a:noFill/>
+            <a:headEnd/>
+            <a:tailEnd/>
+          </a:ln>
+        </p:spPr>
+      </p:pic>
     </p:spTree>
   </p:cSld>
 </p:sld>

--- a/_site/labs/Lab03/Lab03.pptx
+++ b/_site/labs/Lab03/Lab03.pptx
@@ -20,6 +20,9 @@
     <p:sldId id="268" r:id="rId14"/>
     <p:sldId id="269" r:id="rId15"/>
     <p:sldId id="270" r:id="rId16"/>
+    <p:sldId id="271" r:id="rId17"/>
+    <p:sldId id="272" r:id="rId18"/>
+    <p:sldId id="273" r:id="rId19"/>
   </p:sldIdLst>
   <p:sldSz cx="12192000" cy="6858000"/>
   <p:notesSz cx="6858000" cy="9144000"/>
@@ -5566,6 +5569,211 @@
             <a:r>
               <a:rPr/>
               <a:t> An AI informed literature review tool</a:t>
+            </a:r>
+          </a:p>
+        </p:txBody>
+      </p:sp>
+    </p:spTree>
+  </p:cSld>
+</p:sld>
+</file>
+
+<file path=ppt/slides/slide16.xml><?xml version="1.0" encoding="utf-8"?>
+<p:sld xmlns:a="http://schemas.openxmlformats.org/drawingml/2006/main" xmlns:r="http://schemas.openxmlformats.org/officeDocument/2006/relationships" xmlns:p="http://schemas.openxmlformats.org/presentationml/2006/main">
+  <p:cSld>
+    <p:spTree>
+      <p:nvGrpSpPr>
+        <p:cNvPr id="1" name=""/>
+        <p:cNvGrpSpPr/>
+        <p:nvPr/>
+      </p:nvGrpSpPr>
+      <p:grpSpPr>
+        <a:xfrm>
+          <a:off x="0" y="0"/>
+          <a:ext cx="0" cy="0"/>
+          <a:chOff x="0" y="0"/>
+          <a:chExt cx="0" cy="0"/>
+        </a:xfrm>
+      </p:grpSpPr>
+      <p:sp>
+        <p:nvSpPr>
+          <p:cNvPr id="2" name="Title 1">
+            <a:extLst>
+              <a:ext uri="{FF2B5EF4-FFF2-40B4-BE49-F238E27FC236}">
+                <a16:creationId xmlns:a16="http://schemas.microsoft.com/office/drawing/2014/main" id="{DD9B8E45-0772-954C-8D4B-6E6808DFEDED}"/>
+              </a:ext>
+            </a:extLst>
+          </p:cNvPr>
+          <p:cNvSpPr>
+            <a:spLocks noGrp="1"/>
+          </p:cNvSpPr>
+          <p:nvPr>
+            <p:ph type="title"/>
+          </p:nvPr>
+        </p:nvSpPr>
+        <p:spPr>
+          <a:xfrm>
+            <a:off x="838200" y="365129"/>
+            <a:ext cx="10002520" cy="1325563"/>
+          </a:xfrm>
+          <a:prstGeom prst="rect">
+            <a:avLst/>
+          </a:prstGeom>
+        </p:spPr>
+        <p:txBody>
+          <a:bodyPr/>
+          <a:lstStyle/>
+          <a:p>
+            <a:pPr lvl="0" indent="0" marL="0">
+              <a:buNone/>
+            </a:pPr>
+            <a:r>
+              <a:rPr/>
+              <a:t>And have a look back at the Week 1 Extras</a:t>
+            </a:r>
+          </a:p>
+        </p:txBody>
+      </p:sp>
+      <p:pic>
+        <p:nvPicPr>
+          <p:cNvPr descr="images/paste-46E0A478.png" id="0" name="Picture 1"/>
+          <p:cNvPicPr>
+            <a:picLocks noGrp="1" noChangeAspect="1"/>
+          </p:cNvPicPr>
+          <p:nvPr/>
+        </p:nvPicPr>
+        <p:blipFill>
+          <a:blip r:embed="rId2"/>
+          <a:stretch>
+            <a:fillRect/>
+          </a:stretch>
+        </p:blipFill>
+        <p:spPr bwMode="auto">
+          <a:xfrm>
+            <a:off x="838200" y="2362200"/>
+            <a:ext cx="10515600" cy="3251200"/>
+          </a:xfrm>
+          <a:prstGeom prst="rect">
+            <a:avLst/>
+          </a:prstGeom>
+          <a:noFill/>
+          <a:ln w="9525">
+            <a:noFill/>
+            <a:headEnd/>
+            <a:tailEnd/>
+          </a:ln>
+        </p:spPr>
+      </p:pic>
+    </p:spTree>
+  </p:cSld>
+</p:sld>
+</file>
+
+<file path=ppt/slides/slide17.xml><?xml version="1.0" encoding="utf-8"?>
+<p:sld xmlns:a="http://schemas.openxmlformats.org/drawingml/2006/main" xmlns:r="http://schemas.openxmlformats.org/officeDocument/2006/relationships" xmlns:p="http://schemas.openxmlformats.org/presentationml/2006/main">
+  <p:cSld>
+    <p:spTree>
+      <p:nvGrpSpPr>
+        <p:cNvPr id="1" name=""/>
+        <p:cNvGrpSpPr/>
+        <p:nvPr/>
+      </p:nvGrpSpPr>
+      <p:grpSpPr>
+        <a:xfrm>
+          <a:off x="0" y="0"/>
+          <a:ext cx="0" cy="0"/>
+          <a:chOff x="0" y="0"/>
+          <a:chExt cx="0" cy="0"/>
+        </a:xfrm>
+      </p:grpSpPr>
+      <p:sp>
+        <p:nvSpPr>
+          <p:cNvPr id="3" name="Content Placeholder 2">
+            <a:extLst>
+              <a:ext uri="{FF2B5EF4-FFF2-40B4-BE49-F238E27FC236}">
+                <a16:creationId xmlns:a16="http://schemas.microsoft.com/office/drawing/2014/main" id="{A4EB24F9-04F1-C843-9D71-56C5C024552B}"/>
+              </a:ext>
+            </a:extLst>
+          </p:cNvPr>
+          <p:cNvSpPr>
+            <a:spLocks noGrp="1"/>
+          </p:cNvSpPr>
+          <p:nvPr>
+            <p:ph idx="1"/>
+          </p:nvPr>
+        </p:nvSpPr>
+        <p:spPr/>
+        <p:txBody>
+          <a:bodyPr/>
+          <a:lstStyle/>
+          <a:p>
+            <a:pPr lvl="0" indent="0" marL="0">
+              <a:buNone/>
+            </a:pPr>
+            <a:r>
+              <a:rPr/>
+              <a:t>Give BrowZine a shot. It’s how I review recent new publications on the bus!</a:t>
+            </a:r>
+          </a:p>
+        </p:txBody>
+      </p:sp>
+    </p:spTree>
+  </p:cSld>
+</p:sld>
+</file>
+
+<file path=ppt/slides/slide18.xml><?xml version="1.0" encoding="utf-8"?>
+<p:sld xmlns:a="http://schemas.openxmlformats.org/drawingml/2006/main" xmlns:r="http://schemas.openxmlformats.org/officeDocument/2006/relationships" xmlns:p="http://schemas.openxmlformats.org/presentationml/2006/main">
+  <p:cSld>
+    <p:spTree>
+      <p:nvGrpSpPr>
+        <p:cNvPr id="1" name=""/>
+        <p:cNvGrpSpPr/>
+        <p:nvPr/>
+      </p:nvGrpSpPr>
+      <p:grpSpPr>
+        <a:xfrm>
+          <a:off x="0" y="0"/>
+          <a:ext cx="0" cy="0"/>
+          <a:chOff x="0" y="0"/>
+          <a:chExt cx="0" cy="0"/>
+        </a:xfrm>
+      </p:grpSpPr>
+      <p:sp>
+        <p:nvSpPr>
+          <p:cNvPr id="2" name="Title 1">
+            <a:extLst>
+              <a:ext uri="{FF2B5EF4-FFF2-40B4-BE49-F238E27FC236}">
+                <a16:creationId xmlns:a16="http://schemas.microsoft.com/office/drawing/2014/main" id="{FF6A6CB2-D1B6-B94A-84C1-83C65423C650}"/>
+              </a:ext>
+            </a:extLst>
+          </p:cNvPr>
+          <p:cNvSpPr>
+            <a:spLocks noGrp="1"/>
+          </p:cNvSpPr>
+          <p:nvPr>
+            <p:ph type="title"/>
+          </p:nvPr>
+        </p:nvSpPr>
+        <p:spPr>
+          <a:xfrm>
+            <a:off x="831851" y="1709742"/>
+            <a:ext cx="10515600" cy="2852737"/>
+          </a:xfrm>
+          <a:prstGeom prst="rect">
+            <a:avLst/>
+          </a:prstGeom>
+        </p:spPr>
+        <p:txBody>
+          <a:bodyPr/>
+          <a:lstStyle/>
+          <a:p>
+            <a:pPr lvl="0" indent="0" marL="0">
+              <a:buNone/>
+            </a:pPr>
+            <a:r>
+              <a:rPr/>
+              <a:t>Have fun!</a:t>
             </a:r>
           </a:p>
         </p:txBody>
